--- a/materials/XX_Attic/Web Security.pptx
+++ b/materials/XX_Attic/Web Security.pptx
@@ -416,7 +416,7 @@
           <a:p>
             <a:fld id="{38C9FC9B-74B5-8E40-A9E6-386E1D7938B0}" type="datetimeFigureOut">
               <a:rPr lang="en-US" smtClean="0"/>
-              <a:t>9/20/24</a:t>
+              <a:t>11/6/24</a:t>
             </a:fld>
             <a:endParaRPr lang="en-US"/>
           </a:p>
@@ -12743,12 +12743,21 @@
         </p:nvSpPr>
         <p:spPr/>
         <p:txBody>
-          <a:bodyPr/>
-          <a:lstStyle/>
-          <a:p>
-            <a:r>
-              <a:rPr lang="en-US"/>
+          <a:bodyPr>
+            <a:noAutofit/>
+          </a:bodyPr>
+          <a:lstStyle/>
+          <a:p>
+            <a:r>
+              <a:rPr lang="en-US" dirty="0"/>
               <a:t>Web Security</a:t>
+            </a:r>
+            <a:br>
+              <a:rPr lang="en-US" dirty="0"/>
+            </a:br>
+            <a:r>
+              <a:rPr lang="en-US" sz="1600" dirty="0"/>
+              <a:t>“The original idea of the web was that it should be a collaborative space where you can communicate through sharing information” -- Tim Berners-Lee</a:t>
             </a:r>
             <a:endParaRPr lang="en-US" dirty="0"/>
           </a:p>
@@ -18437,7 +18446,7 @@
 </file>
 
 <file path=ppt/slides/slide130.xml><?xml version="1.0" encoding="utf-8"?>
-<p:sld xmlns:a="http://schemas.openxmlformats.org/drawingml/2006/main" xmlns:r="http://schemas.openxmlformats.org/officeDocument/2006/relationships" xmlns:p="http://schemas.openxmlformats.org/presentationml/2006/main">
+<p:sld xmlns:a="http://schemas.openxmlformats.org/drawingml/2006/main" xmlns:r="http://schemas.openxmlformats.org/officeDocument/2006/relationships" xmlns:p="http://schemas.openxmlformats.org/presentationml/2006/main" show="0">
   <p:cSld>
     <p:spTree>
       <p:nvGrpSpPr>
@@ -19644,7 +19653,7 @@
 </file>
 
 <file path=ppt/slides/slide136.xml><?xml version="1.0" encoding="utf-8"?>
-<p:sld xmlns:a="http://schemas.openxmlformats.org/drawingml/2006/main" xmlns:r="http://schemas.openxmlformats.org/officeDocument/2006/relationships" xmlns:p="http://schemas.openxmlformats.org/presentationml/2006/main">
+<p:sld xmlns:a="http://schemas.openxmlformats.org/drawingml/2006/main" xmlns:r="http://schemas.openxmlformats.org/officeDocument/2006/relationships" xmlns:p="http://schemas.openxmlformats.org/presentationml/2006/main" show="0">
   <p:cSld>
     <p:spTree>
       <p:nvGrpSpPr>
@@ -28323,7 +28332,7 @@
 </file>
 
 <file path=ppt/slides/slide178.xml><?xml version="1.0" encoding="utf-8"?>
-<p:sld xmlns:a="http://schemas.openxmlformats.org/drawingml/2006/main" xmlns:r="http://schemas.openxmlformats.org/officeDocument/2006/relationships" xmlns:p="http://schemas.openxmlformats.org/presentationml/2006/main">
+<p:sld xmlns:a="http://schemas.openxmlformats.org/drawingml/2006/main" xmlns:r="http://schemas.openxmlformats.org/officeDocument/2006/relationships" xmlns:p="http://schemas.openxmlformats.org/presentationml/2006/main" show="0">
   <p:cSld>
     <p:spTree>
       <p:nvGrpSpPr>
@@ -46579,10 +46588,10 @@
       </p:sp>
       <p:pic>
         <p:nvPicPr>
-          <p:cNvPr id="5" name="Picture 4" descr="A graph with blue and white bars&#10;&#10;Description automatically generated">
+          <p:cNvPr id="3" name="Picture 2">
             <a:extLst>
               <a:ext uri="{FF2B5EF4-FFF2-40B4-BE49-F238E27FC236}">
-                <a16:creationId xmlns:a16="http://schemas.microsoft.com/office/drawing/2014/main" id="{96A799B0-2F6E-53A8-550D-E5B255D3F0C7}"/>
+                <a16:creationId xmlns:a16="http://schemas.microsoft.com/office/drawing/2014/main" id="{8F4E65CD-384C-4BCA-18A7-7BFB0C4B614F}"/>
               </a:ext>
             </a:extLst>
           </p:cNvPr>
@@ -46599,8 +46608,8 @@
         </p:blipFill>
         <p:spPr>
           <a:xfrm>
-            <a:off x="1308996" y="1063229"/>
-            <a:ext cx="5662741" cy="3709019"/>
+            <a:off x="1530631" y="1063229"/>
+            <a:ext cx="5108098" cy="3339910"/>
           </a:xfrm>
           <a:prstGeom prst="rect">
             <a:avLst/>
